--- a/images/images.pptx
+++ b/images/images.pptx
@@ -3936,66 +3936,6 @@
             </a:fontRef>
           </p:style>
         </p:cxnSp>
-        <p:sp>
-          <p:nvSpPr>
-            <p:cNvPr id="47" name="立方體 46">
-              <a:extLst>
-                <a:ext uri="{FF2B5EF4-FFF2-40B4-BE49-F238E27FC236}">
-                  <a16:creationId xmlns:a16="http://schemas.microsoft.com/office/drawing/2014/main" id="{24886A05-C449-49EB-B982-1E5AC8E136C3}"/>
-                </a:ext>
-              </a:extLst>
-            </p:cNvPr>
-            <p:cNvSpPr/>
-            <p:nvPr/>
-          </p:nvSpPr>
-          <p:spPr>
-            <a:xfrm>
-              <a:off x="4139289" y="2405366"/>
-              <a:ext cx="1440000" cy="720000"/>
-            </a:xfrm>
-            <a:prstGeom prst="cube">
-              <a:avLst/>
-            </a:prstGeom>
-            <a:ln w="19050"/>
-          </p:spPr>
-          <p:style>
-            <a:lnRef idx="2">
-              <a:schemeClr val="dk1"/>
-            </a:lnRef>
-            <a:fillRef idx="1">
-              <a:schemeClr val="lt1"/>
-            </a:fillRef>
-            <a:effectRef idx="0">
-              <a:schemeClr val="dk1"/>
-            </a:effectRef>
-            <a:fontRef idx="minor">
-              <a:schemeClr val="dk1"/>
-            </a:fontRef>
-          </p:style>
-          <p:txBody>
-            <a:bodyPr lIns="18000" tIns="18000" rIns="18000" bIns="18000" rtlCol="0" anchor="b"/>
-            <a:lstStyle/>
-            <a:p>
-              <a:r>
-                <a:rPr lang="en-US" altLang="zh-TW" sz="1000" dirty="0">
-                  <a:solidFill>
-                    <a:schemeClr val="tx1"/>
-                  </a:solidFill>
-                  <a:latin typeface="Garamond" panose="02020404030301010803" pitchFamily="18" charset="0"/>
-                  <a:ea typeface="微軟正黑體" panose="020B0604030504040204" pitchFamily="34" charset="-120"/>
-                </a:rPr>
-                <a:t>Windows 10 In VHDX</a:t>
-              </a:r>
-              <a:endParaRPr lang="zh-TW" altLang="en-US" sz="1000" dirty="0">
-                <a:solidFill>
-                  <a:schemeClr val="tx1"/>
-                </a:solidFill>
-                <a:latin typeface="Garamond" panose="02020404030301010803" pitchFamily="18" charset="0"/>
-                <a:ea typeface="微軟正黑體" panose="020B0604030504040204" pitchFamily="34" charset="-120"/>
-              </a:endParaRPr>
-            </a:p>
-          </p:txBody>
-        </p:sp>
       </p:grpSp>
       <p:sp>
         <p:nvSpPr>
@@ -4868,7 +4808,7 @@
         </p:nvSpPr>
         <p:spPr>
           <a:xfrm>
-            <a:off x="6281661" y="3763926"/>
+            <a:off x="6234382" y="3725938"/>
             <a:ext cx="695255" cy="369332"/>
           </a:xfrm>
           <a:prstGeom prst="rect">
@@ -4920,7 +4860,7 @@
         </p:nvSpPr>
         <p:spPr>
           <a:xfrm>
-            <a:off x="5930009" y="2846560"/>
+            <a:off x="5930009" y="2837035"/>
             <a:ext cx="1298753" cy="369332"/>
           </a:xfrm>
           <a:prstGeom prst="rect">
@@ -5003,6 +4943,390 @@
           <a:p>
             <a:pPr algn="ctr"/>
             <a:endParaRPr lang="zh-TW" altLang="en-US"/>
+          </a:p>
+        </p:txBody>
+      </p:sp>
+      <p:sp>
+        <p:nvSpPr>
+          <p:cNvPr id="3" name="橢圓 2">
+            <a:extLst>
+              <a:ext uri="{FF2B5EF4-FFF2-40B4-BE49-F238E27FC236}">
+                <a16:creationId xmlns:a16="http://schemas.microsoft.com/office/drawing/2014/main" id="{4ECB4EF5-7B20-4AF5-AAFD-FF81F555961D}"/>
+              </a:ext>
+            </a:extLst>
+          </p:cNvPr>
+          <p:cNvSpPr/>
+          <p:nvPr/>
+        </p:nvSpPr>
+        <p:spPr>
+          <a:xfrm>
+            <a:off x="5258663" y="3240109"/>
+            <a:ext cx="180000" cy="180000"/>
+          </a:xfrm>
+          <a:prstGeom prst="ellipse">
+            <a:avLst/>
+          </a:prstGeom>
+          <a:solidFill>
+            <a:srgbClr val="FF0000"/>
+          </a:solidFill>
+          <a:ln>
+            <a:noFill/>
+          </a:ln>
+        </p:spPr>
+        <p:style>
+          <a:lnRef idx="2">
+            <a:schemeClr val="accent1">
+              <a:shade val="50000"/>
+            </a:schemeClr>
+          </a:lnRef>
+          <a:fillRef idx="1">
+            <a:schemeClr val="accent1"/>
+          </a:fillRef>
+          <a:effectRef idx="0">
+            <a:schemeClr val="accent1"/>
+          </a:effectRef>
+          <a:fontRef idx="minor">
+            <a:schemeClr val="lt1"/>
+          </a:fontRef>
+        </p:style>
+        <p:txBody>
+          <a:bodyPr lIns="3600" tIns="3600" rIns="3600" bIns="3600" rtlCol="0" anchor="ctr"/>
+          <a:lstStyle/>
+          <a:p>
+            <a:pPr algn="ctr"/>
+            <a:r>
+              <a:rPr lang="en-US" altLang="zh-TW" sz="900" dirty="0">
+                <a:solidFill>
+                  <a:schemeClr val="tx1"/>
+                </a:solidFill>
+              </a:rPr>
+              <a:t>5</a:t>
+            </a:r>
+            <a:endParaRPr lang="zh-TW" altLang="en-US" sz="900" dirty="0">
+              <a:solidFill>
+                <a:schemeClr val="tx1"/>
+              </a:solidFill>
+            </a:endParaRPr>
+          </a:p>
+        </p:txBody>
+      </p:sp>
+      <p:sp>
+        <p:nvSpPr>
+          <p:cNvPr id="35" name="橢圓 34">
+            <a:extLst>
+              <a:ext uri="{FF2B5EF4-FFF2-40B4-BE49-F238E27FC236}">
+                <a16:creationId xmlns:a16="http://schemas.microsoft.com/office/drawing/2014/main" id="{072E9975-D04E-4044-B6A0-49361B01D12E}"/>
+              </a:ext>
+            </a:extLst>
+          </p:cNvPr>
+          <p:cNvSpPr/>
+          <p:nvPr/>
+        </p:nvSpPr>
+        <p:spPr>
+          <a:xfrm>
+            <a:off x="1525048" y="2653845"/>
+            <a:ext cx="180000" cy="180000"/>
+          </a:xfrm>
+          <a:prstGeom prst="ellipse">
+            <a:avLst/>
+          </a:prstGeom>
+          <a:solidFill>
+            <a:srgbClr val="FF0000"/>
+          </a:solidFill>
+          <a:ln>
+            <a:noFill/>
+          </a:ln>
+        </p:spPr>
+        <p:style>
+          <a:lnRef idx="2">
+            <a:schemeClr val="accent1">
+              <a:shade val="50000"/>
+            </a:schemeClr>
+          </a:lnRef>
+          <a:fillRef idx="1">
+            <a:schemeClr val="accent1"/>
+          </a:fillRef>
+          <a:effectRef idx="0">
+            <a:schemeClr val="accent1"/>
+          </a:effectRef>
+          <a:fontRef idx="minor">
+            <a:schemeClr val="lt1"/>
+          </a:fontRef>
+        </p:style>
+        <p:txBody>
+          <a:bodyPr lIns="3600" tIns="3600" rIns="3600" bIns="3600" rtlCol="0" anchor="ctr"/>
+          <a:lstStyle/>
+          <a:p>
+            <a:pPr algn="ctr"/>
+            <a:r>
+              <a:rPr lang="en-US" altLang="zh-TW" sz="900" dirty="0">
+                <a:solidFill>
+                  <a:schemeClr val="tx1"/>
+                </a:solidFill>
+              </a:rPr>
+              <a:t>3</a:t>
+            </a:r>
+            <a:endParaRPr lang="zh-TW" altLang="en-US" sz="900" dirty="0">
+              <a:solidFill>
+                <a:schemeClr val="tx1"/>
+              </a:solidFill>
+            </a:endParaRPr>
+          </a:p>
+        </p:txBody>
+      </p:sp>
+      <p:sp>
+        <p:nvSpPr>
+          <p:cNvPr id="36" name="橢圓 35">
+            <a:extLst>
+              <a:ext uri="{FF2B5EF4-FFF2-40B4-BE49-F238E27FC236}">
+                <a16:creationId xmlns:a16="http://schemas.microsoft.com/office/drawing/2014/main" id="{D63F6560-B59E-4F4A-9963-C2079B3CDE92}"/>
+              </a:ext>
+            </a:extLst>
+          </p:cNvPr>
+          <p:cNvSpPr/>
+          <p:nvPr/>
+        </p:nvSpPr>
+        <p:spPr>
+          <a:xfrm>
+            <a:off x="1525048" y="4256297"/>
+            <a:ext cx="180000" cy="180000"/>
+          </a:xfrm>
+          <a:prstGeom prst="ellipse">
+            <a:avLst/>
+          </a:prstGeom>
+          <a:solidFill>
+            <a:srgbClr val="FF0000"/>
+          </a:solidFill>
+          <a:ln>
+            <a:noFill/>
+          </a:ln>
+        </p:spPr>
+        <p:style>
+          <a:lnRef idx="2">
+            <a:schemeClr val="accent1">
+              <a:shade val="50000"/>
+            </a:schemeClr>
+          </a:lnRef>
+          <a:fillRef idx="1">
+            <a:schemeClr val="accent1"/>
+          </a:fillRef>
+          <a:effectRef idx="0">
+            <a:schemeClr val="accent1"/>
+          </a:effectRef>
+          <a:fontRef idx="minor">
+            <a:schemeClr val="lt1"/>
+          </a:fontRef>
+        </p:style>
+        <p:txBody>
+          <a:bodyPr lIns="3600" tIns="3600" rIns="3600" bIns="3600" rtlCol="0" anchor="ctr"/>
+          <a:lstStyle/>
+          <a:p>
+            <a:pPr algn="ctr"/>
+            <a:r>
+              <a:rPr lang="en-US" altLang="zh-TW" sz="900" dirty="0">
+                <a:solidFill>
+                  <a:schemeClr val="tx1"/>
+                </a:solidFill>
+              </a:rPr>
+              <a:t>4</a:t>
+            </a:r>
+            <a:endParaRPr lang="zh-TW" altLang="en-US" sz="900" dirty="0">
+              <a:solidFill>
+                <a:schemeClr val="tx1"/>
+              </a:solidFill>
+            </a:endParaRPr>
+          </a:p>
+        </p:txBody>
+      </p:sp>
+      <p:sp>
+        <p:nvSpPr>
+          <p:cNvPr id="37" name="橢圓 36">
+            <a:extLst>
+              <a:ext uri="{FF2B5EF4-FFF2-40B4-BE49-F238E27FC236}">
+                <a16:creationId xmlns:a16="http://schemas.microsoft.com/office/drawing/2014/main" id="{7ABE61AB-EAED-47C2-AB68-80BD8ECA1CC8}"/>
+              </a:ext>
+            </a:extLst>
+          </p:cNvPr>
+          <p:cNvSpPr/>
+          <p:nvPr/>
+        </p:nvSpPr>
+        <p:spPr>
+          <a:xfrm>
+            <a:off x="9176788" y="4094436"/>
+            <a:ext cx="180000" cy="180000"/>
+          </a:xfrm>
+          <a:prstGeom prst="ellipse">
+            <a:avLst/>
+          </a:prstGeom>
+          <a:solidFill>
+            <a:srgbClr val="FF0000"/>
+          </a:solidFill>
+          <a:ln>
+            <a:noFill/>
+          </a:ln>
+        </p:spPr>
+        <p:style>
+          <a:lnRef idx="2">
+            <a:schemeClr val="accent1">
+              <a:shade val="50000"/>
+            </a:schemeClr>
+          </a:lnRef>
+          <a:fillRef idx="1">
+            <a:schemeClr val="accent1"/>
+          </a:fillRef>
+          <a:effectRef idx="0">
+            <a:schemeClr val="accent1"/>
+          </a:effectRef>
+          <a:fontRef idx="minor">
+            <a:schemeClr val="lt1"/>
+          </a:fontRef>
+        </p:style>
+        <p:txBody>
+          <a:bodyPr lIns="3600" tIns="3600" rIns="3600" bIns="3600" rtlCol="0" anchor="ctr"/>
+          <a:lstStyle/>
+          <a:p>
+            <a:pPr algn="ctr"/>
+            <a:r>
+              <a:rPr lang="en-US" altLang="zh-TW" sz="900" dirty="0">
+                <a:solidFill>
+                  <a:schemeClr val="tx1"/>
+                </a:solidFill>
+              </a:rPr>
+              <a:t>6</a:t>
+            </a:r>
+            <a:endParaRPr lang="zh-TW" altLang="en-US" sz="900" dirty="0">
+              <a:solidFill>
+                <a:schemeClr val="tx1"/>
+              </a:solidFill>
+            </a:endParaRPr>
+          </a:p>
+        </p:txBody>
+      </p:sp>
+      <p:sp>
+        <p:nvSpPr>
+          <p:cNvPr id="38" name="橢圓 37">
+            <a:extLst>
+              <a:ext uri="{FF2B5EF4-FFF2-40B4-BE49-F238E27FC236}">
+                <a16:creationId xmlns:a16="http://schemas.microsoft.com/office/drawing/2014/main" id="{E890E6FF-7C8B-4BEE-864E-DCD8FC551165}"/>
+              </a:ext>
+            </a:extLst>
+          </p:cNvPr>
+          <p:cNvSpPr/>
+          <p:nvPr/>
+        </p:nvSpPr>
+        <p:spPr>
+          <a:xfrm>
+            <a:off x="7084630" y="3123091"/>
+            <a:ext cx="180000" cy="180000"/>
+          </a:xfrm>
+          <a:prstGeom prst="ellipse">
+            <a:avLst/>
+          </a:prstGeom>
+          <a:solidFill>
+            <a:srgbClr val="FF0000"/>
+          </a:solidFill>
+          <a:ln>
+            <a:noFill/>
+          </a:ln>
+        </p:spPr>
+        <p:style>
+          <a:lnRef idx="2">
+            <a:schemeClr val="accent1">
+              <a:shade val="50000"/>
+            </a:schemeClr>
+          </a:lnRef>
+          <a:fillRef idx="1">
+            <a:schemeClr val="accent1"/>
+          </a:fillRef>
+          <a:effectRef idx="0">
+            <a:schemeClr val="accent1"/>
+          </a:effectRef>
+          <a:fontRef idx="minor">
+            <a:schemeClr val="lt1"/>
+          </a:fontRef>
+        </p:style>
+        <p:txBody>
+          <a:bodyPr lIns="3600" tIns="3600" rIns="3600" bIns="3600" rtlCol="0" anchor="ctr"/>
+          <a:lstStyle/>
+          <a:p>
+            <a:pPr algn="ctr"/>
+            <a:r>
+              <a:rPr lang="en-US" altLang="zh-TW" sz="900" dirty="0">
+                <a:solidFill>
+                  <a:schemeClr val="tx1"/>
+                </a:solidFill>
+              </a:rPr>
+              <a:t>2</a:t>
+            </a:r>
+            <a:endParaRPr lang="zh-TW" altLang="en-US" sz="900" dirty="0">
+              <a:solidFill>
+                <a:schemeClr val="tx1"/>
+              </a:solidFill>
+            </a:endParaRPr>
+          </a:p>
+        </p:txBody>
+      </p:sp>
+      <p:sp>
+        <p:nvSpPr>
+          <p:cNvPr id="40" name="橢圓 39">
+            <a:extLst>
+              <a:ext uri="{FF2B5EF4-FFF2-40B4-BE49-F238E27FC236}">
+                <a16:creationId xmlns:a16="http://schemas.microsoft.com/office/drawing/2014/main" id="{DC821C89-211C-4A5E-903B-7453A6A2CB74}"/>
+              </a:ext>
+            </a:extLst>
+          </p:cNvPr>
+          <p:cNvSpPr/>
+          <p:nvPr/>
+        </p:nvSpPr>
+        <p:spPr>
+          <a:xfrm>
+            <a:off x="6049298" y="4571691"/>
+            <a:ext cx="180000" cy="180000"/>
+          </a:xfrm>
+          <a:prstGeom prst="ellipse">
+            <a:avLst/>
+          </a:prstGeom>
+          <a:solidFill>
+            <a:srgbClr val="FF0000"/>
+          </a:solidFill>
+          <a:ln>
+            <a:noFill/>
+          </a:ln>
+        </p:spPr>
+        <p:style>
+          <a:lnRef idx="2">
+            <a:schemeClr val="accent1">
+              <a:shade val="50000"/>
+            </a:schemeClr>
+          </a:lnRef>
+          <a:fillRef idx="1">
+            <a:schemeClr val="accent1"/>
+          </a:fillRef>
+          <a:effectRef idx="0">
+            <a:schemeClr val="accent1"/>
+          </a:effectRef>
+          <a:fontRef idx="minor">
+            <a:schemeClr val="lt1"/>
+          </a:fontRef>
+        </p:style>
+        <p:txBody>
+          <a:bodyPr lIns="3600" tIns="3600" rIns="3600" bIns="3600" rtlCol="0" anchor="ctr"/>
+          <a:lstStyle/>
+          <a:p>
+            <a:pPr algn="ctr"/>
+            <a:r>
+              <a:rPr lang="en-US" altLang="zh-TW" sz="900" dirty="0">
+                <a:solidFill>
+                  <a:schemeClr val="tx1"/>
+                </a:solidFill>
+              </a:rPr>
+              <a:t>1</a:t>
+            </a:r>
+            <a:endParaRPr lang="zh-TW" altLang="en-US" sz="900" dirty="0">
+              <a:solidFill>
+                <a:schemeClr val="tx1"/>
+              </a:solidFill>
+            </a:endParaRPr>
           </a:p>
         </p:txBody>
       </p:sp>
@@ -6355,7 +6679,7 @@
         </p:nvSpPr>
         <p:spPr>
           <a:xfrm>
-            <a:off x="3838775" y="3814065"/>
+            <a:off x="3513815" y="3577320"/>
             <a:ext cx="466794" cy="338554"/>
           </a:xfrm>
           <a:prstGeom prst="rect">
@@ -6515,6 +6839,262 @@
           </a:fontRef>
         </p:style>
       </p:cxnSp>
+      <p:sp>
+        <p:nvSpPr>
+          <p:cNvPr id="29" name="橢圓 28">
+            <a:extLst>
+              <a:ext uri="{FF2B5EF4-FFF2-40B4-BE49-F238E27FC236}">
+                <a16:creationId xmlns:a16="http://schemas.microsoft.com/office/drawing/2014/main" id="{D63B61F4-CB75-4025-9FFA-B00BC637AF7E}"/>
+              </a:ext>
+            </a:extLst>
+          </p:cNvPr>
+          <p:cNvSpPr/>
+          <p:nvPr/>
+        </p:nvSpPr>
+        <p:spPr>
+          <a:xfrm>
+            <a:off x="4663838" y="1489053"/>
+            <a:ext cx="180000" cy="180000"/>
+          </a:xfrm>
+          <a:prstGeom prst="ellipse">
+            <a:avLst/>
+          </a:prstGeom>
+          <a:solidFill>
+            <a:srgbClr val="FF0000"/>
+          </a:solidFill>
+          <a:ln>
+            <a:noFill/>
+          </a:ln>
+        </p:spPr>
+        <p:style>
+          <a:lnRef idx="2">
+            <a:schemeClr val="accent1">
+              <a:shade val="50000"/>
+            </a:schemeClr>
+          </a:lnRef>
+          <a:fillRef idx="1">
+            <a:schemeClr val="accent1"/>
+          </a:fillRef>
+          <a:effectRef idx="0">
+            <a:schemeClr val="accent1"/>
+          </a:effectRef>
+          <a:fontRef idx="minor">
+            <a:schemeClr val="lt1"/>
+          </a:fontRef>
+        </p:style>
+        <p:txBody>
+          <a:bodyPr lIns="3600" tIns="3600" rIns="3600" bIns="3600" rtlCol="0" anchor="ctr"/>
+          <a:lstStyle/>
+          <a:p>
+            <a:pPr algn="ctr"/>
+            <a:r>
+              <a:rPr lang="en-US" altLang="zh-TW" sz="900" dirty="0">
+                <a:solidFill>
+                  <a:schemeClr val="tx1"/>
+                </a:solidFill>
+              </a:rPr>
+              <a:t>7</a:t>
+            </a:r>
+            <a:endParaRPr lang="zh-TW" altLang="en-US" sz="900" dirty="0">
+              <a:solidFill>
+                <a:schemeClr val="tx1"/>
+              </a:solidFill>
+            </a:endParaRPr>
+          </a:p>
+        </p:txBody>
+      </p:sp>
+      <p:sp>
+        <p:nvSpPr>
+          <p:cNvPr id="30" name="橢圓 29">
+            <a:extLst>
+              <a:ext uri="{FF2B5EF4-FFF2-40B4-BE49-F238E27FC236}">
+                <a16:creationId xmlns:a16="http://schemas.microsoft.com/office/drawing/2014/main" id="{ACA66DA6-E912-4A5C-B11B-67AEE323EAD9}"/>
+              </a:ext>
+            </a:extLst>
+          </p:cNvPr>
+          <p:cNvSpPr/>
+          <p:nvPr/>
+        </p:nvSpPr>
+        <p:spPr>
+          <a:xfrm>
+            <a:off x="9307080" y="3863540"/>
+            <a:ext cx="180000" cy="180000"/>
+          </a:xfrm>
+          <a:prstGeom prst="ellipse">
+            <a:avLst/>
+          </a:prstGeom>
+          <a:solidFill>
+            <a:srgbClr val="FF0000"/>
+          </a:solidFill>
+          <a:ln>
+            <a:noFill/>
+          </a:ln>
+        </p:spPr>
+        <p:style>
+          <a:lnRef idx="2">
+            <a:schemeClr val="accent1">
+              <a:shade val="50000"/>
+            </a:schemeClr>
+          </a:lnRef>
+          <a:fillRef idx="1">
+            <a:schemeClr val="accent1"/>
+          </a:fillRef>
+          <a:effectRef idx="0">
+            <a:schemeClr val="accent1"/>
+          </a:effectRef>
+          <a:fontRef idx="minor">
+            <a:schemeClr val="lt1"/>
+          </a:fontRef>
+        </p:style>
+        <p:txBody>
+          <a:bodyPr lIns="3600" tIns="3600" rIns="3600" bIns="3600" rtlCol="0" anchor="ctr"/>
+          <a:lstStyle/>
+          <a:p>
+            <a:pPr algn="ctr"/>
+            <a:r>
+              <a:rPr lang="en-US" altLang="zh-TW" sz="900" dirty="0">
+                <a:solidFill>
+                  <a:schemeClr val="tx1"/>
+                </a:solidFill>
+              </a:rPr>
+              <a:t>8</a:t>
+            </a:r>
+            <a:endParaRPr lang="zh-TW" altLang="en-US" sz="900" dirty="0">
+              <a:solidFill>
+                <a:schemeClr val="tx1"/>
+              </a:solidFill>
+            </a:endParaRPr>
+          </a:p>
+        </p:txBody>
+      </p:sp>
+      <p:sp>
+        <p:nvSpPr>
+          <p:cNvPr id="32" name="橢圓 31">
+            <a:extLst>
+              <a:ext uri="{FF2B5EF4-FFF2-40B4-BE49-F238E27FC236}">
+                <a16:creationId xmlns:a16="http://schemas.microsoft.com/office/drawing/2014/main" id="{AB939675-D083-411B-ADED-17710C41C6E4}"/>
+              </a:ext>
+            </a:extLst>
+          </p:cNvPr>
+          <p:cNvSpPr/>
+          <p:nvPr/>
+        </p:nvSpPr>
+        <p:spPr>
+          <a:xfrm>
+            <a:off x="4023656" y="3902314"/>
+            <a:ext cx="180000" cy="180000"/>
+          </a:xfrm>
+          <a:prstGeom prst="ellipse">
+            <a:avLst/>
+          </a:prstGeom>
+          <a:solidFill>
+            <a:srgbClr val="FF0000"/>
+          </a:solidFill>
+          <a:ln>
+            <a:noFill/>
+          </a:ln>
+        </p:spPr>
+        <p:style>
+          <a:lnRef idx="2">
+            <a:schemeClr val="accent1">
+              <a:shade val="50000"/>
+            </a:schemeClr>
+          </a:lnRef>
+          <a:fillRef idx="1">
+            <a:schemeClr val="accent1"/>
+          </a:fillRef>
+          <a:effectRef idx="0">
+            <a:schemeClr val="accent1"/>
+          </a:effectRef>
+          <a:fontRef idx="minor">
+            <a:schemeClr val="lt1"/>
+          </a:fontRef>
+        </p:style>
+        <p:txBody>
+          <a:bodyPr lIns="3600" tIns="3600" rIns="3600" bIns="3600" rtlCol="0" anchor="ctr"/>
+          <a:lstStyle/>
+          <a:p>
+            <a:pPr algn="ctr"/>
+            <a:r>
+              <a:rPr lang="en-US" altLang="zh-TW" sz="900" dirty="0">
+                <a:solidFill>
+                  <a:schemeClr val="tx1"/>
+                </a:solidFill>
+              </a:rPr>
+              <a:t>9</a:t>
+            </a:r>
+            <a:endParaRPr lang="zh-TW" altLang="en-US" sz="900" dirty="0">
+              <a:solidFill>
+                <a:schemeClr val="tx1"/>
+              </a:solidFill>
+            </a:endParaRPr>
+          </a:p>
+        </p:txBody>
+      </p:sp>
+      <p:sp>
+        <p:nvSpPr>
+          <p:cNvPr id="33" name="橢圓 32">
+            <a:extLst>
+              <a:ext uri="{FF2B5EF4-FFF2-40B4-BE49-F238E27FC236}">
+                <a16:creationId xmlns:a16="http://schemas.microsoft.com/office/drawing/2014/main" id="{D2188052-3890-4A3A-B04E-D6F44366407F}"/>
+              </a:ext>
+            </a:extLst>
+          </p:cNvPr>
+          <p:cNvSpPr/>
+          <p:nvPr/>
+        </p:nvSpPr>
+        <p:spPr>
+          <a:xfrm>
+            <a:off x="4061920" y="4711354"/>
+            <a:ext cx="180000" cy="180000"/>
+          </a:xfrm>
+          <a:prstGeom prst="ellipse">
+            <a:avLst/>
+          </a:prstGeom>
+          <a:solidFill>
+            <a:srgbClr val="FF0000"/>
+          </a:solidFill>
+          <a:ln>
+            <a:noFill/>
+          </a:ln>
+        </p:spPr>
+        <p:style>
+          <a:lnRef idx="2">
+            <a:schemeClr val="accent1">
+              <a:shade val="50000"/>
+            </a:schemeClr>
+          </a:lnRef>
+          <a:fillRef idx="1">
+            <a:schemeClr val="accent1"/>
+          </a:fillRef>
+          <a:effectRef idx="0">
+            <a:schemeClr val="accent1"/>
+          </a:effectRef>
+          <a:fontRef idx="minor">
+            <a:schemeClr val="lt1"/>
+          </a:fontRef>
+        </p:style>
+        <p:txBody>
+          <a:bodyPr lIns="3600" tIns="3600" rIns="3600" bIns="3600" rtlCol="0" anchor="ctr"/>
+          <a:lstStyle/>
+          <a:p>
+            <a:pPr algn="ctr"/>
+            <a:r>
+              <a:rPr lang="en-US" altLang="zh-TW" sz="900" dirty="0">
+                <a:solidFill>
+                  <a:schemeClr val="tx1"/>
+                </a:solidFill>
+              </a:rPr>
+              <a:t>10</a:t>
+            </a:r>
+            <a:endParaRPr lang="zh-TW" altLang="en-US" sz="900" dirty="0">
+              <a:solidFill>
+                <a:schemeClr val="tx1"/>
+              </a:solidFill>
+            </a:endParaRPr>
+          </a:p>
+        </p:txBody>
+      </p:sp>
     </p:spTree>
     <p:extLst>
       <p:ext uri="{BB962C8B-B14F-4D97-AF65-F5344CB8AC3E}">

--- a/images/images.pptx
+++ b/images/images.pptx
@@ -4759,15 +4759,16 @@
             </a:extLst>
           </p:cNvPr>
           <p:cNvCxnSpPr>
-            <a:stCxn id="44" idx="3"/>
+            <a:cxnSpLocks/>
+            <a:stCxn id="44" idx="4"/>
             <a:endCxn id="39" idx="2"/>
           </p:cNvCxnSpPr>
           <p:nvPr/>
         </p:nvCxnSpPr>
         <p:spPr>
           <a:xfrm>
-            <a:off x="4994061" y="3581879"/>
-            <a:ext cx="4487052" cy="641745"/>
+            <a:off x="5624061" y="3311879"/>
+            <a:ext cx="3857052" cy="911745"/>
           </a:xfrm>
           <a:prstGeom prst="straightConnector1">
             <a:avLst/>
@@ -5152,7 +5153,7 @@
         </p:nvSpPr>
         <p:spPr>
           <a:xfrm>
-            <a:off x="9176788" y="4094436"/>
+            <a:off x="8900043" y="4023152"/>
             <a:ext cx="180000" cy="180000"/>
           </a:xfrm>
           <a:prstGeom prst="ellipse">

--- a/images/images.pptx
+++ b/images/images.pptx
@@ -4809,7 +4809,7 @@
         </p:nvSpPr>
         <p:spPr>
           <a:xfrm>
-            <a:off x="6234382" y="3725938"/>
+            <a:off x="6093834" y="3430365"/>
             <a:ext cx="695255" cy="369332"/>
           </a:xfrm>
           <a:prstGeom prst="rect">

--- a/images/images.pptx
+++ b/images/images.pptx
@@ -3918,7 +3918,8 @@
               <a:solidFill>
                 <a:schemeClr val="accent6"/>
               </a:solidFill>
-              <a:tailEnd type="triangle"/>
+              <a:headEnd type="none" w="med" len="med"/>
+              <a:tailEnd type="arrow" w="med" len="med"/>
             </a:ln>
           </p:spPr>
           <p:style>
@@ -4592,7 +4593,8 @@
               <a:schemeClr val="accent5"/>
             </a:solidFill>
             <a:prstDash val="sysDot"/>
-            <a:tailEnd type="triangle"/>
+            <a:headEnd type="none" w="med" len="med"/>
+            <a:tailEnd type="arrow" w="med" len="med"/>
           </a:ln>
         </p:spPr>
         <p:style>
@@ -4638,7 +4640,8 @@
             <a:solidFill>
               <a:schemeClr val="accent5"/>
             </a:solidFill>
-            <a:tailEnd type="triangle"/>
+            <a:headEnd type="none" w="med" len="med"/>
+            <a:tailEnd type="arrow" w="med" len="med"/>
           </a:ln>
         </p:spPr>
         <p:style>
@@ -4685,7 +4688,8 @@
               <a:schemeClr val="accent2"/>
             </a:solidFill>
             <a:prstDash val="sysDot"/>
-            <a:tailEnd type="triangle"/>
+            <a:headEnd type="none" w="med" len="med"/>
+            <a:tailEnd type="arrow" w="med" len="med"/>
           </a:ln>
         </p:spPr>
         <p:style>
@@ -4731,7 +4735,8 @@
             <a:solidFill>
               <a:schemeClr val="accent2"/>
             </a:solidFill>
-            <a:tailEnd type="triangle"/>
+            <a:headEnd type="none" w="med" len="med"/>
+            <a:tailEnd type="arrow" w="med" len="med"/>
           </a:ln>
         </p:spPr>
         <p:style>
@@ -4777,7 +4782,8 @@
             <a:solidFill>
               <a:schemeClr val="accent2"/>
             </a:solidFill>
-            <a:tailEnd type="triangle"/>
+            <a:headEnd type="none" w="med" len="med"/>
+            <a:tailEnd type="arrow" w="med" len="med"/>
           </a:ln>
         </p:spPr>
         <p:style>
@@ -6497,7 +6503,8 @@
               <a:schemeClr val="accent5"/>
             </a:solidFill>
             <a:prstDash val="solid"/>
-            <a:tailEnd type="triangle"/>
+            <a:headEnd type="none" w="med" len="med"/>
+            <a:tailEnd type="arrow" w="med" len="med"/>
           </a:ln>
         </p:spPr>
         <p:style>
@@ -6544,7 +6551,8 @@
               <a:schemeClr val="accent2"/>
             </a:solidFill>
             <a:prstDash val="sysDot"/>
-            <a:tailEnd type="triangle"/>
+            <a:headEnd type="none" w="med" len="med"/>
+            <a:tailEnd type="arrow" w="med" len="med"/>
           </a:ln>
         </p:spPr>
         <p:style>
@@ -6730,7 +6738,8 @@
               <a:schemeClr val="accent1"/>
             </a:solidFill>
             <a:prstDash val="solid"/>
-            <a:tailEnd type="triangle"/>
+            <a:headEnd type="none" w="med" len="med"/>
+            <a:tailEnd type="arrow" w="med" len="med"/>
           </a:ln>
         </p:spPr>
         <p:style>
@@ -6760,14 +6769,14 @@
           <p:cNvCxnSpPr>
             <a:cxnSpLocks/>
             <a:stCxn id="39" idx="2"/>
-            <a:endCxn id="105" idx="4"/>
+            <a:endCxn id="105" idx="5"/>
           </p:cNvCxnSpPr>
           <p:nvPr/>
         </p:nvCxnSpPr>
         <p:spPr>
           <a:xfrm flipH="1">
-            <a:off x="5624061" y="3903921"/>
-            <a:ext cx="3956968" cy="1195026"/>
+            <a:off x="5804061" y="3903921"/>
+            <a:ext cx="3776968" cy="1015026"/>
           </a:xfrm>
           <a:prstGeom prst="straightConnector1">
             <a:avLst/>
@@ -6776,7 +6785,8 @@
             <a:solidFill>
               <a:schemeClr val="accent1"/>
             </a:solidFill>
-            <a:tailEnd type="triangle"/>
+            <a:headEnd type="none" w="med" len="med"/>
+            <a:tailEnd type="arrow" w="med" len="med"/>
           </a:ln>
         </p:spPr>
         <p:style>
@@ -6822,7 +6832,8 @@
             <a:solidFill>
               <a:schemeClr val="tx1"/>
             </a:solidFill>
-            <a:tailEnd type="triangle"/>
+            <a:headEnd type="none" w="med" len="med"/>
+            <a:tailEnd type="arrow" w="med" len="med"/>
           </a:ln>
         </p:spPr>
         <p:style>
